--- a/기획 자료/화면 구성.pptx
+++ b/기획 자료/화면 구성.pptx
@@ -263,7 +263,7 @@
           <a:p>
             <a:fld id="{5AD33BB2-D087-4C0E-9990-F5E5386B299F}" type="datetimeFigureOut">
               <a:rPr lang="ko-KR" altLang="en-US" smtClean="0"/>
-              <a:t>2021-02-02</a:t>
+              <a:t>2021-02-03</a:t>
             </a:fld>
             <a:endParaRPr lang="ko-KR" altLang="en-US"/>
           </a:p>
@@ -461,7 +461,7 @@
           <a:p>
             <a:fld id="{5AD33BB2-D087-4C0E-9990-F5E5386B299F}" type="datetimeFigureOut">
               <a:rPr lang="ko-KR" altLang="en-US" smtClean="0"/>
-              <a:t>2021-02-02</a:t>
+              <a:t>2021-02-03</a:t>
             </a:fld>
             <a:endParaRPr lang="ko-KR" altLang="en-US"/>
           </a:p>
@@ -669,7 +669,7 @@
           <a:p>
             <a:fld id="{5AD33BB2-D087-4C0E-9990-F5E5386B299F}" type="datetimeFigureOut">
               <a:rPr lang="ko-KR" altLang="en-US" smtClean="0"/>
-              <a:t>2021-02-02</a:t>
+              <a:t>2021-02-03</a:t>
             </a:fld>
             <a:endParaRPr lang="ko-KR" altLang="en-US"/>
           </a:p>
@@ -867,7 +867,7 @@
           <a:p>
             <a:fld id="{5AD33BB2-D087-4C0E-9990-F5E5386B299F}" type="datetimeFigureOut">
               <a:rPr lang="ko-KR" altLang="en-US" smtClean="0"/>
-              <a:t>2021-02-02</a:t>
+              <a:t>2021-02-03</a:t>
             </a:fld>
             <a:endParaRPr lang="ko-KR" altLang="en-US"/>
           </a:p>
@@ -1142,7 +1142,7 @@
           <a:p>
             <a:fld id="{5AD33BB2-D087-4C0E-9990-F5E5386B299F}" type="datetimeFigureOut">
               <a:rPr lang="ko-KR" altLang="en-US" smtClean="0"/>
-              <a:t>2021-02-02</a:t>
+              <a:t>2021-02-03</a:t>
             </a:fld>
             <a:endParaRPr lang="ko-KR" altLang="en-US"/>
           </a:p>
@@ -1407,7 +1407,7 @@
           <a:p>
             <a:fld id="{5AD33BB2-D087-4C0E-9990-F5E5386B299F}" type="datetimeFigureOut">
               <a:rPr lang="ko-KR" altLang="en-US" smtClean="0"/>
-              <a:t>2021-02-02</a:t>
+              <a:t>2021-02-03</a:t>
             </a:fld>
             <a:endParaRPr lang="ko-KR" altLang="en-US"/>
           </a:p>
@@ -1819,7 +1819,7 @@
           <a:p>
             <a:fld id="{5AD33BB2-D087-4C0E-9990-F5E5386B299F}" type="datetimeFigureOut">
               <a:rPr lang="ko-KR" altLang="en-US" smtClean="0"/>
-              <a:t>2021-02-02</a:t>
+              <a:t>2021-02-03</a:t>
             </a:fld>
             <a:endParaRPr lang="ko-KR" altLang="en-US"/>
           </a:p>
@@ -1960,7 +1960,7 @@
           <a:p>
             <a:fld id="{5AD33BB2-D087-4C0E-9990-F5E5386B299F}" type="datetimeFigureOut">
               <a:rPr lang="ko-KR" altLang="en-US" smtClean="0"/>
-              <a:t>2021-02-02</a:t>
+              <a:t>2021-02-03</a:t>
             </a:fld>
             <a:endParaRPr lang="ko-KR" altLang="en-US"/>
           </a:p>
@@ -2073,7 +2073,7 @@
           <a:p>
             <a:fld id="{5AD33BB2-D087-4C0E-9990-F5E5386B299F}" type="datetimeFigureOut">
               <a:rPr lang="ko-KR" altLang="en-US" smtClean="0"/>
-              <a:t>2021-02-02</a:t>
+              <a:t>2021-02-03</a:t>
             </a:fld>
             <a:endParaRPr lang="ko-KR" altLang="en-US"/>
           </a:p>
@@ -2384,7 +2384,7 @@
           <a:p>
             <a:fld id="{5AD33BB2-D087-4C0E-9990-F5E5386B299F}" type="datetimeFigureOut">
               <a:rPr lang="ko-KR" altLang="en-US" smtClean="0"/>
-              <a:t>2021-02-02</a:t>
+              <a:t>2021-02-03</a:t>
             </a:fld>
             <a:endParaRPr lang="ko-KR" altLang="en-US"/>
           </a:p>
@@ -2672,7 +2672,7 @@
           <a:p>
             <a:fld id="{5AD33BB2-D087-4C0E-9990-F5E5386B299F}" type="datetimeFigureOut">
               <a:rPr lang="ko-KR" altLang="en-US" smtClean="0"/>
-              <a:t>2021-02-02</a:t>
+              <a:t>2021-02-03</a:t>
             </a:fld>
             <a:endParaRPr lang="ko-KR" altLang="en-US"/>
           </a:p>
@@ -2913,7 +2913,7 @@
           <a:p>
             <a:fld id="{5AD33BB2-D087-4C0E-9990-F5E5386B299F}" type="datetimeFigureOut">
               <a:rPr lang="ko-KR" altLang="en-US" smtClean="0"/>
-              <a:t>2021-02-02</a:t>
+              <a:t>2021-02-03</a:t>
             </a:fld>
             <a:endParaRPr lang="ko-KR" altLang="en-US"/>
           </a:p>
@@ -5065,7 +5065,11 @@
           <a:lstStyle/>
           <a:p>
             <a:pPr algn="ctr"/>
-            <a:endParaRPr lang="ko-KR" altLang="en-US"/>
+            <a:r>
+              <a:rPr lang="ko-KR" altLang="en-US" dirty="0" err="1"/>
+              <a:t>슈퍼마리오</a:t>
+            </a:r>
+            <a:endParaRPr lang="ko-KR" altLang="en-US" dirty="0"/>
           </a:p>
         </p:txBody>
       </p:sp>
@@ -5850,6 +5854,10 @@
           <a:lstStyle/>
           <a:p>
             <a:pPr algn="ctr"/>
+            <a:r>
+              <a:rPr lang="ko-KR" altLang="en-US" dirty="0" err="1"/>
+              <a:t>마리오</a:t>
+            </a:r>
             <a:endParaRPr lang="ko-KR" altLang="en-US" dirty="0"/>
           </a:p>
         </p:txBody>
@@ -5985,7 +5993,10 @@
           <a:lstStyle/>
           <a:p>
             <a:pPr algn="ctr"/>
-            <a:endParaRPr lang="ko-KR" altLang="en-US"/>
+            <a:r>
+              <a:rPr lang="ko-KR" altLang="en-US" dirty="0"/>
+              <a:t>루이지</a:t>
+            </a:r>
           </a:p>
         </p:txBody>
       </p:sp>
@@ -6031,7 +6042,10 @@
           <a:lstStyle/>
           <a:p>
             <a:pPr algn="ctr"/>
-            <a:endParaRPr lang="ko-KR" altLang="en-US"/>
+            <a:r>
+              <a:rPr lang="ko-KR" altLang="en-US" dirty="0"/>
+              <a:t>피치공주</a:t>
+            </a:r>
           </a:p>
         </p:txBody>
       </p:sp>
@@ -6077,7 +6091,11 @@
           <a:lstStyle/>
           <a:p>
             <a:pPr algn="ctr"/>
-            <a:endParaRPr lang="ko-KR" altLang="en-US"/>
+            <a:r>
+              <a:rPr lang="ko-KR" altLang="en-US" dirty="0" err="1"/>
+              <a:t>동키콩</a:t>
+            </a:r>
+            <a:endParaRPr lang="ko-KR" altLang="en-US" dirty="0"/>
           </a:p>
         </p:txBody>
       </p:sp>
@@ -6123,7 +6141,10 @@
           <a:lstStyle/>
           <a:p>
             <a:pPr algn="ctr"/>
-            <a:endParaRPr lang="ko-KR" altLang="en-US"/>
+            <a:r>
+              <a:rPr lang="ko-KR" altLang="en-US" dirty="0"/>
+              <a:t>요시</a:t>
+            </a:r>
           </a:p>
         </p:txBody>
       </p:sp>
@@ -6336,6 +6357,55 @@
               <a:rPr lang="ko-KR" altLang="en-US" dirty="0"/>
               <a:t>검색</a:t>
             </a:r>
+          </a:p>
+        </p:txBody>
+      </p:sp>
+      <p:sp>
+        <p:nvSpPr>
+          <p:cNvPr id="21" name="별: 꼭짓점 5개 20">
+            <a:extLst>
+              <a:ext uri="{FF2B5EF4-FFF2-40B4-BE49-F238E27FC236}">
+                <a16:creationId xmlns:a16="http://schemas.microsoft.com/office/drawing/2014/main" id="{643C3595-0688-449A-A7B4-909D72CEE2E5}"/>
+              </a:ext>
+            </a:extLst>
+          </p:cNvPr>
+          <p:cNvSpPr/>
+          <p:nvPr/>
+        </p:nvSpPr>
+        <p:spPr>
+          <a:xfrm>
+            <a:off x="5820185" y="2600365"/>
+            <a:ext cx="550985" cy="502572"/>
+          </a:xfrm>
+          <a:prstGeom prst="star5">
+            <a:avLst/>
+          </a:prstGeom>
+          <a:solidFill>
+            <a:schemeClr val="accent2"/>
+          </a:solidFill>
+        </p:spPr>
+        <p:style>
+          <a:lnRef idx="2">
+            <a:schemeClr val="accent1">
+              <a:shade val="50000"/>
+            </a:schemeClr>
+          </a:lnRef>
+          <a:fillRef idx="1">
+            <a:schemeClr val="accent1"/>
+          </a:fillRef>
+          <a:effectRef idx="0">
+            <a:schemeClr val="accent1"/>
+          </a:effectRef>
+          <a:fontRef idx="minor">
+            <a:schemeClr val="lt1"/>
+          </a:fontRef>
+        </p:style>
+        <p:txBody>
+          <a:bodyPr rtlCol="0" anchor="ctr"/>
+          <a:lstStyle/>
+          <a:p>
+            <a:pPr algn="ctr"/>
+            <a:endParaRPr lang="ko-KR" altLang="en-US" dirty="0"/>
           </a:p>
         </p:txBody>
       </p:sp>
@@ -6684,7 +6754,11 @@
           <a:lstStyle/>
           <a:p>
             <a:pPr algn="ctr"/>
-            <a:endParaRPr lang="ko-KR" altLang="en-US"/>
+            <a:r>
+              <a:rPr lang="ko-KR" altLang="en-US" sz="2400" dirty="0" err="1"/>
+              <a:t>마리오</a:t>
+            </a:r>
+            <a:endParaRPr lang="ko-KR" altLang="en-US" sz="2400" dirty="0"/>
           </a:p>
         </p:txBody>
       </p:sp>
@@ -6789,8 +6863,8 @@
         </p:nvSpPr>
         <p:spPr>
           <a:xfrm>
-            <a:off x="3984921" y="2268382"/>
-            <a:ext cx="1126341" cy="1160618"/>
+            <a:off x="3091303" y="2538546"/>
+            <a:ext cx="774115" cy="641073"/>
           </a:xfrm>
           <a:prstGeom prst="star5">
             <a:avLst/>

--- a/기획 자료/화면 구성.pptx
+++ b/기획 자료/화면 구성.pptx
@@ -10,6 +10,8 @@
     <p:sldId id="258" r:id="rId4"/>
     <p:sldId id="259" r:id="rId5"/>
     <p:sldId id="260" r:id="rId6"/>
+    <p:sldId id="261" r:id="rId7"/>
+    <p:sldId id="262" r:id="rId8"/>
   </p:sldIdLst>
   <p:sldSz cx="12192000" cy="6858000"/>
   <p:notesSz cx="6858000" cy="9144000"/>
@@ -263,7 +265,7 @@
           <a:p>
             <a:fld id="{5AD33BB2-D087-4C0E-9990-F5E5386B299F}" type="datetimeFigureOut">
               <a:rPr lang="ko-KR" altLang="en-US" smtClean="0"/>
-              <a:t>2021-02-02</a:t>
+              <a:t>2021-02-03</a:t>
             </a:fld>
             <a:endParaRPr lang="ko-KR" altLang="en-US"/>
           </a:p>
@@ -461,7 +463,7 @@
           <a:p>
             <a:fld id="{5AD33BB2-D087-4C0E-9990-F5E5386B299F}" type="datetimeFigureOut">
               <a:rPr lang="ko-KR" altLang="en-US" smtClean="0"/>
-              <a:t>2021-02-02</a:t>
+              <a:t>2021-02-03</a:t>
             </a:fld>
             <a:endParaRPr lang="ko-KR" altLang="en-US"/>
           </a:p>
@@ -669,7 +671,7 @@
           <a:p>
             <a:fld id="{5AD33BB2-D087-4C0E-9990-F5E5386B299F}" type="datetimeFigureOut">
               <a:rPr lang="ko-KR" altLang="en-US" smtClean="0"/>
-              <a:t>2021-02-02</a:t>
+              <a:t>2021-02-03</a:t>
             </a:fld>
             <a:endParaRPr lang="ko-KR" altLang="en-US"/>
           </a:p>
@@ -867,7 +869,7 @@
           <a:p>
             <a:fld id="{5AD33BB2-D087-4C0E-9990-F5E5386B299F}" type="datetimeFigureOut">
               <a:rPr lang="ko-KR" altLang="en-US" smtClean="0"/>
-              <a:t>2021-02-02</a:t>
+              <a:t>2021-02-03</a:t>
             </a:fld>
             <a:endParaRPr lang="ko-KR" altLang="en-US"/>
           </a:p>
@@ -1142,7 +1144,7 @@
           <a:p>
             <a:fld id="{5AD33BB2-D087-4C0E-9990-F5E5386B299F}" type="datetimeFigureOut">
               <a:rPr lang="ko-KR" altLang="en-US" smtClean="0"/>
-              <a:t>2021-02-02</a:t>
+              <a:t>2021-02-03</a:t>
             </a:fld>
             <a:endParaRPr lang="ko-KR" altLang="en-US"/>
           </a:p>
@@ -1407,7 +1409,7 @@
           <a:p>
             <a:fld id="{5AD33BB2-D087-4C0E-9990-F5E5386B299F}" type="datetimeFigureOut">
               <a:rPr lang="ko-KR" altLang="en-US" smtClean="0"/>
-              <a:t>2021-02-02</a:t>
+              <a:t>2021-02-03</a:t>
             </a:fld>
             <a:endParaRPr lang="ko-KR" altLang="en-US"/>
           </a:p>
@@ -1819,7 +1821,7 @@
           <a:p>
             <a:fld id="{5AD33BB2-D087-4C0E-9990-F5E5386B299F}" type="datetimeFigureOut">
               <a:rPr lang="ko-KR" altLang="en-US" smtClean="0"/>
-              <a:t>2021-02-02</a:t>
+              <a:t>2021-02-03</a:t>
             </a:fld>
             <a:endParaRPr lang="ko-KR" altLang="en-US"/>
           </a:p>
@@ -1960,7 +1962,7 @@
           <a:p>
             <a:fld id="{5AD33BB2-D087-4C0E-9990-F5E5386B299F}" type="datetimeFigureOut">
               <a:rPr lang="ko-KR" altLang="en-US" smtClean="0"/>
-              <a:t>2021-02-02</a:t>
+              <a:t>2021-02-03</a:t>
             </a:fld>
             <a:endParaRPr lang="ko-KR" altLang="en-US"/>
           </a:p>
@@ -2073,7 +2075,7 @@
           <a:p>
             <a:fld id="{5AD33BB2-D087-4C0E-9990-F5E5386B299F}" type="datetimeFigureOut">
               <a:rPr lang="ko-KR" altLang="en-US" smtClean="0"/>
-              <a:t>2021-02-02</a:t>
+              <a:t>2021-02-03</a:t>
             </a:fld>
             <a:endParaRPr lang="ko-KR" altLang="en-US"/>
           </a:p>
@@ -2384,7 +2386,7 @@
           <a:p>
             <a:fld id="{5AD33BB2-D087-4C0E-9990-F5E5386B299F}" type="datetimeFigureOut">
               <a:rPr lang="ko-KR" altLang="en-US" smtClean="0"/>
-              <a:t>2021-02-02</a:t>
+              <a:t>2021-02-03</a:t>
             </a:fld>
             <a:endParaRPr lang="ko-KR" altLang="en-US"/>
           </a:p>
@@ -2672,7 +2674,7 @@
           <a:p>
             <a:fld id="{5AD33BB2-D087-4C0E-9990-F5E5386B299F}" type="datetimeFigureOut">
               <a:rPr lang="ko-KR" altLang="en-US" smtClean="0"/>
-              <a:t>2021-02-02</a:t>
+              <a:t>2021-02-03</a:t>
             </a:fld>
             <a:endParaRPr lang="ko-KR" altLang="en-US"/>
           </a:p>
@@ -2913,7 +2915,7 @@
           <a:p>
             <a:fld id="{5AD33BB2-D087-4C0E-9990-F5E5386B299F}" type="datetimeFigureOut">
               <a:rPr lang="ko-KR" altLang="en-US" smtClean="0"/>
-              <a:t>2021-02-02</a:t>
+              <a:t>2021-02-03</a:t>
             </a:fld>
             <a:endParaRPr lang="ko-KR" altLang="en-US"/>
           </a:p>
@@ -3785,6 +3787,19 @@
               <a:rPr lang="ko-KR" altLang="en-US" dirty="0"/>
               <a:t>짧은 글 혹은 제목과 본문이 나뉜 긴 글</a:t>
             </a:r>
+            <a:r>
+              <a:rPr lang="en-US" altLang="ko-KR" dirty="0"/>
+              <a:t>, (</a:t>
+            </a:r>
+            <a:r>
+              <a:rPr lang="ko-KR" altLang="en-US" dirty="0"/>
+              <a:t>시간 여유 있을 경우</a:t>
+            </a:r>
+            <a:r>
+              <a:rPr lang="en-US" altLang="ko-KR" dirty="0"/>
+              <a:t>)</a:t>
+            </a:r>
+            <a:endParaRPr lang="ko-KR" altLang="en-US" dirty="0"/>
           </a:p>
         </p:txBody>
       </p:sp>
@@ -4412,7 +4427,10 @@
           <a:lstStyle/>
           <a:p>
             <a:pPr algn="ctr"/>
-            <a:endParaRPr lang="ko-KR" altLang="en-US"/>
+            <a:r>
+              <a:rPr lang="ko-KR" altLang="en-US" dirty="0"/>
+              <a:t>여행</a:t>
+            </a:r>
           </a:p>
         </p:txBody>
       </p:sp>
@@ -4458,7 +4476,10 @@
           <a:lstStyle/>
           <a:p>
             <a:pPr algn="ctr"/>
-            <a:endParaRPr lang="ko-KR" altLang="en-US"/>
+            <a:r>
+              <a:rPr lang="ko-KR" altLang="en-US" dirty="0"/>
+              <a:t>맛집</a:t>
+            </a:r>
           </a:p>
         </p:txBody>
       </p:sp>
@@ -5065,7 +5086,19 @@
           <a:lstStyle/>
           <a:p>
             <a:pPr algn="ctr"/>
-            <a:endParaRPr lang="ko-KR" altLang="en-US"/>
+            <a:r>
+              <a:rPr lang="ko-KR" altLang="en-US" dirty="0" err="1"/>
+              <a:t>슈퍼마리오</a:t>
+            </a:r>
+            <a:r>
+              <a:rPr lang="ko-KR" altLang="en-US" dirty="0"/>
+              <a:t> 공략</a:t>
+            </a:r>
+            <a:r>
+              <a:rPr lang="en-US" altLang="ko-KR" dirty="0"/>
+              <a:t> 1</a:t>
+            </a:r>
+            <a:endParaRPr lang="ko-KR" altLang="en-US" dirty="0"/>
           </a:p>
         </p:txBody>
       </p:sp>
@@ -5111,7 +5144,23 @@
           <a:lstStyle/>
           <a:p>
             <a:pPr algn="ctr"/>
-            <a:endParaRPr lang="ko-KR" altLang="en-US"/>
+            <a:r>
+              <a:rPr lang="ko-KR" altLang="en-US" dirty="0"/>
+              <a:t>슈퍼 </a:t>
+            </a:r>
+            <a:r>
+              <a:rPr lang="ko-KR" altLang="en-US" dirty="0" err="1"/>
+              <a:t>마리오</a:t>
+            </a:r>
+            <a:r>
+              <a:rPr lang="ko-KR" altLang="en-US" dirty="0"/>
+              <a:t> 공략 </a:t>
+            </a:r>
+            <a:r>
+              <a:rPr lang="en-US" altLang="ko-KR" dirty="0"/>
+              <a:t>2</a:t>
+            </a:r>
+            <a:endParaRPr lang="ko-KR" altLang="en-US" dirty="0"/>
           </a:p>
         </p:txBody>
       </p:sp>
@@ -5157,7 +5206,15 @@
           <a:lstStyle/>
           <a:p>
             <a:pPr algn="ctr"/>
-            <a:endParaRPr lang="ko-KR" altLang="en-US"/>
+            <a:r>
+              <a:rPr lang="ko-KR" altLang="en-US" dirty="0"/>
+              <a:t>디아블로 공략 </a:t>
+            </a:r>
+            <a:r>
+              <a:rPr lang="en-US" altLang="ko-KR" dirty="0"/>
+              <a:t>1</a:t>
+            </a:r>
+            <a:endParaRPr lang="ko-KR" altLang="en-US" dirty="0"/>
           </a:p>
         </p:txBody>
       </p:sp>
@@ -5505,6 +5562,115 @@
           </a:p>
         </p:txBody>
       </p:sp>
+      <p:sp>
+        <p:nvSpPr>
+          <p:cNvPr id="11" name="직사각형 10">
+            <a:extLst>
+              <a:ext uri="{FF2B5EF4-FFF2-40B4-BE49-F238E27FC236}">
+                <a16:creationId xmlns:a16="http://schemas.microsoft.com/office/drawing/2014/main" id="{0B4D05BD-75B3-4A73-8015-1AA77A343DA4}"/>
+              </a:ext>
+            </a:extLst>
+          </p:cNvPr>
+          <p:cNvSpPr/>
+          <p:nvPr/>
+        </p:nvSpPr>
+        <p:spPr>
+          <a:xfrm>
+            <a:off x="11499026" y="735224"/>
+            <a:ext cx="649218" cy="2693776"/>
+          </a:xfrm>
+          <a:prstGeom prst="rect">
+            <a:avLst/>
+          </a:prstGeom>
+        </p:spPr>
+        <p:style>
+          <a:lnRef idx="2">
+            <a:schemeClr val="accent1">
+              <a:shade val="50000"/>
+            </a:schemeClr>
+          </a:lnRef>
+          <a:fillRef idx="1">
+            <a:schemeClr val="accent1"/>
+          </a:fillRef>
+          <a:effectRef idx="0">
+            <a:schemeClr val="accent1"/>
+          </a:effectRef>
+          <a:fontRef idx="minor">
+            <a:schemeClr val="lt1"/>
+          </a:fontRef>
+        </p:style>
+        <p:txBody>
+          <a:bodyPr rtlCol="0" anchor="ctr"/>
+          <a:lstStyle/>
+          <a:p>
+            <a:pPr algn="ctr"/>
+            <a:r>
+              <a:rPr lang="ko-KR" altLang="en-US" dirty="0"/>
+              <a:t>용현</a:t>
+            </a:r>
+            <a:r>
+              <a:rPr lang="en-US" altLang="ko-KR" dirty="0"/>
+              <a:t>Tag list</a:t>
+            </a:r>
+          </a:p>
+          <a:p>
+            <a:pPr algn="ctr"/>
+            <a:r>
+              <a:rPr lang="ko-KR" altLang="en-US" dirty="0" err="1"/>
+              <a:t>슈퍼마리오</a:t>
+            </a:r>
+            <a:r>
+              <a:rPr lang="en-US" altLang="ko-KR" dirty="0"/>
+              <a:t>, </a:t>
+            </a:r>
+            <a:r>
+              <a:rPr lang="ko-KR" altLang="en-US" dirty="0"/>
+              <a:t>디아블로</a:t>
+            </a:r>
+            <a:r>
+              <a:rPr lang="en-US" altLang="ko-KR" dirty="0"/>
+              <a:t>, </a:t>
+            </a:r>
+            <a:endParaRPr lang="ko-KR" altLang="en-US" dirty="0"/>
+          </a:p>
+        </p:txBody>
+      </p:sp>
+      <p:cxnSp>
+        <p:nvCxnSpPr>
+          <p:cNvPr id="22" name="직선 연결선 21">
+            <a:extLst>
+              <a:ext uri="{FF2B5EF4-FFF2-40B4-BE49-F238E27FC236}">
+                <a16:creationId xmlns:a16="http://schemas.microsoft.com/office/drawing/2014/main" id="{746E7E76-72F3-4AAD-89DF-0C175AF85622}"/>
+              </a:ext>
+            </a:extLst>
+          </p:cNvPr>
+          <p:cNvCxnSpPr/>
+          <p:nvPr/>
+        </p:nvCxnSpPr>
+        <p:spPr>
+          <a:xfrm>
+            <a:off x="11427145" y="0"/>
+            <a:ext cx="0" cy="6858000"/>
+          </a:xfrm>
+          <a:prstGeom prst="line">
+            <a:avLst/>
+          </a:prstGeom>
+        </p:spPr>
+        <p:style>
+          <a:lnRef idx="1">
+            <a:schemeClr val="accent1"/>
+          </a:lnRef>
+          <a:fillRef idx="0">
+            <a:schemeClr val="accent1"/>
+          </a:fillRef>
+          <a:effectRef idx="0">
+            <a:schemeClr val="accent1"/>
+          </a:effectRef>
+          <a:fontRef idx="minor">
+            <a:schemeClr val="tx1"/>
+          </a:fontRef>
+        </p:style>
+      </p:cxnSp>
     </p:spTree>
     <p:extLst>
       <p:ext uri="{BB962C8B-B14F-4D97-AF65-F5344CB8AC3E}">
@@ -5850,6 +6016,10 @@
           <a:lstStyle/>
           <a:p>
             <a:pPr algn="ctr"/>
+            <a:r>
+              <a:rPr lang="ko-KR" altLang="en-US" dirty="0" err="1"/>
+              <a:t>마리오</a:t>
+            </a:r>
             <a:endParaRPr lang="ko-KR" altLang="en-US" dirty="0"/>
           </a:p>
         </p:txBody>
@@ -5985,7 +6155,10 @@
           <a:lstStyle/>
           <a:p>
             <a:pPr algn="ctr"/>
-            <a:endParaRPr lang="ko-KR" altLang="en-US"/>
+            <a:r>
+              <a:rPr lang="ko-KR" altLang="en-US" dirty="0"/>
+              <a:t>루이지</a:t>
+            </a:r>
           </a:p>
         </p:txBody>
       </p:sp>
@@ -6031,7 +6204,10 @@
           <a:lstStyle/>
           <a:p>
             <a:pPr algn="ctr"/>
-            <a:endParaRPr lang="ko-KR" altLang="en-US"/>
+            <a:r>
+              <a:rPr lang="ko-KR" altLang="en-US" dirty="0"/>
+              <a:t>피치공주</a:t>
+            </a:r>
           </a:p>
         </p:txBody>
       </p:sp>
@@ -6077,7 +6253,11 @@
           <a:lstStyle/>
           <a:p>
             <a:pPr algn="ctr"/>
-            <a:endParaRPr lang="ko-KR" altLang="en-US"/>
+            <a:r>
+              <a:rPr lang="ko-KR" altLang="en-US" dirty="0" err="1"/>
+              <a:t>동키콩</a:t>
+            </a:r>
+            <a:endParaRPr lang="ko-KR" altLang="en-US" dirty="0"/>
           </a:p>
         </p:txBody>
       </p:sp>
@@ -6123,7 +6303,10 @@
           <a:lstStyle/>
           <a:p>
             <a:pPr algn="ctr"/>
-            <a:endParaRPr lang="ko-KR" altLang="en-US"/>
+            <a:r>
+              <a:rPr lang="ko-KR" altLang="en-US" dirty="0"/>
+              <a:t>요시</a:t>
+            </a:r>
           </a:p>
         </p:txBody>
       </p:sp>
@@ -6141,7 +6324,7 @@
         </p:nvSpPr>
         <p:spPr>
           <a:xfrm>
-            <a:off x="3448433" y="6264580"/>
+            <a:off x="3727104" y="4220895"/>
             <a:ext cx="7978466" cy="369332"/>
           </a:xfrm>
           <a:prstGeom prst="rect">
@@ -6336,6 +6519,91 @@
               <a:rPr lang="ko-KR" altLang="en-US" dirty="0"/>
               <a:t>검색</a:t>
             </a:r>
+          </a:p>
+        </p:txBody>
+      </p:sp>
+      <p:sp>
+        <p:nvSpPr>
+          <p:cNvPr id="21" name="별: 꼭짓점 5개 20">
+            <a:extLst>
+              <a:ext uri="{FF2B5EF4-FFF2-40B4-BE49-F238E27FC236}">
+                <a16:creationId xmlns:a16="http://schemas.microsoft.com/office/drawing/2014/main" id="{643C3595-0688-449A-A7B4-909D72CEE2E5}"/>
+              </a:ext>
+            </a:extLst>
+          </p:cNvPr>
+          <p:cNvSpPr/>
+          <p:nvPr/>
+        </p:nvSpPr>
+        <p:spPr>
+          <a:xfrm>
+            <a:off x="5820185" y="2600365"/>
+            <a:ext cx="550985" cy="502572"/>
+          </a:xfrm>
+          <a:prstGeom prst="star5">
+            <a:avLst/>
+          </a:prstGeom>
+          <a:solidFill>
+            <a:schemeClr val="accent2"/>
+          </a:solidFill>
+        </p:spPr>
+        <p:style>
+          <a:lnRef idx="2">
+            <a:schemeClr val="accent1">
+              <a:shade val="50000"/>
+            </a:schemeClr>
+          </a:lnRef>
+          <a:fillRef idx="1">
+            <a:schemeClr val="accent1"/>
+          </a:fillRef>
+          <a:effectRef idx="0">
+            <a:schemeClr val="accent1"/>
+          </a:effectRef>
+          <a:fontRef idx="minor">
+            <a:schemeClr val="lt1"/>
+          </a:fontRef>
+        </p:style>
+        <p:txBody>
+          <a:bodyPr rtlCol="0" anchor="ctr"/>
+          <a:lstStyle/>
+          <a:p>
+            <a:pPr algn="ctr"/>
+            <a:endParaRPr lang="ko-KR" altLang="en-US" dirty="0"/>
+          </a:p>
+        </p:txBody>
+      </p:sp>
+      <p:sp>
+        <p:nvSpPr>
+          <p:cNvPr id="22" name="TextBox 21">
+            <a:extLst>
+              <a:ext uri="{FF2B5EF4-FFF2-40B4-BE49-F238E27FC236}">
+                <a16:creationId xmlns:a16="http://schemas.microsoft.com/office/drawing/2014/main" id="{9E2895BC-AD4E-400E-BBCC-26908D7EB022}"/>
+              </a:ext>
+            </a:extLst>
+          </p:cNvPr>
+          <p:cNvSpPr txBox="1"/>
+          <p:nvPr/>
+        </p:nvSpPr>
+        <p:spPr>
+          <a:xfrm>
+            <a:off x="3367848" y="6201656"/>
+            <a:ext cx="7045563" cy="369332"/>
+          </a:xfrm>
+          <a:prstGeom prst="rect">
+            <a:avLst/>
+          </a:prstGeom>
+          <a:noFill/>
+        </p:spPr>
+        <p:txBody>
+          <a:bodyPr wrap="square" rtlCol="0">
+            <a:spAutoFit/>
+          </a:bodyPr>
+          <a:lstStyle/>
+          <a:p>
+            <a:r>
+              <a:rPr lang="ko-KR" altLang="en-US" dirty="0" err="1"/>
+              <a:t>글글글</a:t>
+            </a:r>
+            <a:endParaRPr lang="ko-KR" altLang="en-US" dirty="0"/>
           </a:p>
         </p:txBody>
       </p:sp>
@@ -6684,7 +6952,11 @@
           <a:lstStyle/>
           <a:p>
             <a:pPr algn="ctr"/>
-            <a:endParaRPr lang="ko-KR" altLang="en-US"/>
+            <a:r>
+              <a:rPr lang="ko-KR" altLang="en-US" sz="2400" dirty="0" err="1"/>
+              <a:t>마리오</a:t>
+            </a:r>
+            <a:endParaRPr lang="ko-KR" altLang="en-US" sz="2400" dirty="0"/>
           </a:p>
         </p:txBody>
       </p:sp>
@@ -6789,8 +7061,8 @@
         </p:nvSpPr>
         <p:spPr>
           <a:xfrm>
-            <a:off x="3984921" y="2268382"/>
-            <a:ext cx="1126341" cy="1160618"/>
+            <a:off x="3091303" y="2538546"/>
+            <a:ext cx="774115" cy="641073"/>
           </a:xfrm>
           <a:prstGeom prst="star5">
             <a:avLst/>
@@ -6910,7 +7182,7 @@
         <p:spPr>
           <a:xfrm>
             <a:off x="6668959" y="4620126"/>
-            <a:ext cx="5219699" cy="369332"/>
+            <a:ext cx="5360763" cy="1200329"/>
           </a:xfrm>
           <a:prstGeom prst="rect">
             <a:avLst/>
@@ -6969,11 +7241,54 @@
             </a:r>
             <a:r>
               <a:rPr lang="en-US" altLang="ko-KR" dirty="0"/>
-              <a:t>, </a:t>
+              <a:t>, (</a:t>
             </a:r>
             <a:r>
               <a:rPr lang="ko-KR" altLang="en-US" dirty="0"/>
               <a:t>댓글</a:t>
+            </a:r>
+            <a:r>
+              <a:rPr lang="en-US" altLang="ko-KR" dirty="0"/>
+              <a:t>)</a:t>
+            </a:r>
+          </a:p>
+          <a:p>
+            <a:endParaRPr lang="en-US" altLang="ko-KR" dirty="0"/>
+          </a:p>
+          <a:p>
+            <a:r>
+              <a:rPr lang="ko-KR" altLang="en-US" dirty="0"/>
+              <a:t>태그 링크</a:t>
+            </a:r>
+            <a:r>
+              <a:rPr lang="en-US" altLang="ko-KR" dirty="0"/>
+              <a:t>: </a:t>
+            </a:r>
+            <a:r>
+              <a:rPr lang="ko-KR" altLang="en-US" dirty="0"/>
+              <a:t>슬라이드 </a:t>
+            </a:r>
+            <a:r>
+              <a:rPr lang="en-US" altLang="ko-KR" dirty="0"/>
+              <a:t>6</a:t>
+            </a:r>
+          </a:p>
+          <a:p>
+            <a:r>
+              <a:rPr lang="ko-KR" altLang="en-US" dirty="0"/>
+              <a:t>분류 링크</a:t>
+            </a:r>
+            <a:r>
+              <a:rPr lang="en-US" altLang="ko-KR" dirty="0"/>
+              <a:t>: </a:t>
+            </a:r>
+            <a:r>
+              <a:rPr lang="ko-KR" altLang="en-US" dirty="0"/>
+              <a:t>슬라이드 </a:t>
+            </a:r>
+            <a:r>
+              <a:rPr lang="en-US" altLang="ko-KR" dirty="0"/>
+              <a:t>7</a:t>
             </a:r>
           </a:p>
         </p:txBody>
@@ -7031,6 +7346,1635 @@
     <p:extLst>
       <p:ext uri="{BB962C8B-B14F-4D97-AF65-F5344CB8AC3E}">
         <p14:creationId xmlns:p14="http://schemas.microsoft.com/office/powerpoint/2010/main" val="2123958774"/>
+      </p:ext>
+    </p:extLst>
+  </p:cSld>
+  <p:clrMapOvr>
+    <a:masterClrMapping/>
+  </p:clrMapOvr>
+</p:sld>
+</file>
+
+<file path=ppt/slides/slide6.xml><?xml version="1.0" encoding="utf-8"?>
+<p:sld xmlns:a="http://schemas.openxmlformats.org/drawingml/2006/main" xmlns:r="http://schemas.openxmlformats.org/officeDocument/2006/relationships" xmlns:p="http://schemas.openxmlformats.org/presentationml/2006/main">
+  <p:cSld>
+    <p:spTree>
+      <p:nvGrpSpPr>
+        <p:cNvPr id="1" name=""/>
+        <p:cNvGrpSpPr/>
+        <p:nvPr/>
+      </p:nvGrpSpPr>
+      <p:grpSpPr>
+        <a:xfrm>
+          <a:off x="0" y="0"/>
+          <a:ext cx="0" cy="0"/>
+          <a:chOff x="0" y="0"/>
+          <a:chExt cx="0" cy="0"/>
+        </a:xfrm>
+      </p:grpSpPr>
+      <p:sp>
+        <p:nvSpPr>
+          <p:cNvPr id="4" name="TextBox 3">
+            <a:extLst>
+              <a:ext uri="{FF2B5EF4-FFF2-40B4-BE49-F238E27FC236}">
+                <a16:creationId xmlns:a16="http://schemas.microsoft.com/office/drawing/2014/main" id="{CBC99591-0C2E-455E-84E1-E8CB957EF81F}"/>
+              </a:ext>
+            </a:extLst>
+          </p:cNvPr>
+          <p:cNvSpPr txBox="1"/>
+          <p:nvPr/>
+        </p:nvSpPr>
+        <p:spPr>
+          <a:xfrm>
+            <a:off x="6336632" y="552450"/>
+            <a:ext cx="1107996" cy="369332"/>
+          </a:xfrm>
+          <a:prstGeom prst="rect">
+            <a:avLst/>
+          </a:prstGeom>
+          <a:noFill/>
+          <a:ln>
+            <a:solidFill>
+              <a:schemeClr val="accent1"/>
+            </a:solidFill>
+          </a:ln>
+        </p:spPr>
+        <p:txBody>
+          <a:bodyPr wrap="none" rtlCol="0">
+            <a:spAutoFit/>
+          </a:bodyPr>
+          <a:lstStyle/>
+          <a:p>
+            <a:r>
+              <a:rPr lang="ko-KR" altLang="en-US" dirty="0"/>
+              <a:t>사이트명</a:t>
+            </a:r>
+          </a:p>
+        </p:txBody>
+      </p:sp>
+      <p:cxnSp>
+        <p:nvCxnSpPr>
+          <p:cNvPr id="6" name="직선 연결선 5">
+            <a:extLst>
+              <a:ext uri="{FF2B5EF4-FFF2-40B4-BE49-F238E27FC236}">
+                <a16:creationId xmlns:a16="http://schemas.microsoft.com/office/drawing/2014/main" id="{70EB0699-E664-496C-B3DF-098CE14F70B7}"/>
+              </a:ext>
+            </a:extLst>
+          </p:cNvPr>
+          <p:cNvCxnSpPr/>
+          <p:nvPr/>
+        </p:nvCxnSpPr>
+        <p:spPr>
+          <a:xfrm>
+            <a:off x="2277979" y="0"/>
+            <a:ext cx="0" cy="6858000"/>
+          </a:xfrm>
+          <a:prstGeom prst="line">
+            <a:avLst/>
+          </a:prstGeom>
+        </p:spPr>
+        <p:style>
+          <a:lnRef idx="1">
+            <a:schemeClr val="accent1"/>
+          </a:lnRef>
+          <a:fillRef idx="0">
+            <a:schemeClr val="accent1"/>
+          </a:fillRef>
+          <a:effectRef idx="0">
+            <a:schemeClr val="accent1"/>
+          </a:effectRef>
+          <a:fontRef idx="minor">
+            <a:schemeClr val="tx1"/>
+          </a:fontRef>
+        </p:style>
+      </p:cxnSp>
+      <p:sp>
+        <p:nvSpPr>
+          <p:cNvPr id="7" name="직사각형 6">
+            <a:extLst>
+              <a:ext uri="{FF2B5EF4-FFF2-40B4-BE49-F238E27FC236}">
+                <a16:creationId xmlns:a16="http://schemas.microsoft.com/office/drawing/2014/main" id="{F50A86E1-E613-4611-B52A-E50F01CAE133}"/>
+              </a:ext>
+            </a:extLst>
+          </p:cNvPr>
+          <p:cNvSpPr/>
+          <p:nvPr/>
+        </p:nvSpPr>
+        <p:spPr>
+          <a:xfrm>
+            <a:off x="304800" y="921782"/>
+            <a:ext cx="1588168" cy="890976"/>
+          </a:xfrm>
+          <a:prstGeom prst="rect">
+            <a:avLst/>
+          </a:prstGeom>
+        </p:spPr>
+        <p:style>
+          <a:lnRef idx="2">
+            <a:schemeClr val="accent1">
+              <a:shade val="50000"/>
+            </a:schemeClr>
+          </a:lnRef>
+          <a:fillRef idx="1">
+            <a:schemeClr val="accent1"/>
+          </a:fillRef>
+          <a:effectRef idx="0">
+            <a:schemeClr val="accent1"/>
+          </a:effectRef>
+          <a:fontRef idx="minor">
+            <a:schemeClr val="lt1"/>
+          </a:fontRef>
+        </p:style>
+        <p:txBody>
+          <a:bodyPr rtlCol="0" anchor="ctr"/>
+          <a:lstStyle/>
+          <a:p>
+            <a:pPr algn="ctr"/>
+            <a:r>
+              <a:rPr lang="ko-KR" altLang="en-US" dirty="0"/>
+              <a:t>용현</a:t>
+            </a:r>
+          </a:p>
+        </p:txBody>
+      </p:sp>
+      <p:sp>
+        <p:nvSpPr>
+          <p:cNvPr id="8" name="직사각형 7">
+            <a:extLst>
+              <a:ext uri="{FF2B5EF4-FFF2-40B4-BE49-F238E27FC236}">
+                <a16:creationId xmlns:a16="http://schemas.microsoft.com/office/drawing/2014/main" id="{EC5C90A3-B439-4A57-9314-D2822C057442}"/>
+              </a:ext>
+            </a:extLst>
+          </p:cNvPr>
+          <p:cNvSpPr/>
+          <p:nvPr/>
+        </p:nvSpPr>
+        <p:spPr>
+          <a:xfrm>
+            <a:off x="304800" y="2325466"/>
+            <a:ext cx="1588168" cy="890976"/>
+          </a:xfrm>
+          <a:prstGeom prst="rect">
+            <a:avLst/>
+          </a:prstGeom>
+        </p:spPr>
+        <p:style>
+          <a:lnRef idx="2">
+            <a:schemeClr val="accent1">
+              <a:shade val="50000"/>
+            </a:schemeClr>
+          </a:lnRef>
+          <a:fillRef idx="1">
+            <a:schemeClr val="accent1"/>
+          </a:fillRef>
+          <a:effectRef idx="0">
+            <a:schemeClr val="accent1"/>
+          </a:effectRef>
+          <a:fontRef idx="minor">
+            <a:schemeClr val="lt1"/>
+          </a:fontRef>
+        </p:style>
+        <p:txBody>
+          <a:bodyPr rtlCol="0" anchor="ctr"/>
+          <a:lstStyle/>
+          <a:p>
+            <a:pPr algn="ctr"/>
+            <a:r>
+              <a:rPr lang="ko-KR" altLang="en-US" dirty="0"/>
+              <a:t>혜빈</a:t>
+            </a:r>
+          </a:p>
+        </p:txBody>
+      </p:sp>
+      <p:sp>
+        <p:nvSpPr>
+          <p:cNvPr id="9" name="직사각형 8">
+            <a:extLst>
+              <a:ext uri="{FF2B5EF4-FFF2-40B4-BE49-F238E27FC236}">
+                <a16:creationId xmlns:a16="http://schemas.microsoft.com/office/drawing/2014/main" id="{403607F0-79D0-4C91-A95D-B24C9A53AD89}"/>
+              </a:ext>
+            </a:extLst>
+          </p:cNvPr>
+          <p:cNvSpPr/>
+          <p:nvPr/>
+        </p:nvSpPr>
+        <p:spPr>
+          <a:xfrm>
+            <a:off x="304800" y="3729150"/>
+            <a:ext cx="1588168" cy="890976"/>
+          </a:xfrm>
+          <a:prstGeom prst="rect">
+            <a:avLst/>
+          </a:prstGeom>
+        </p:spPr>
+        <p:style>
+          <a:lnRef idx="2">
+            <a:schemeClr val="accent1">
+              <a:shade val="50000"/>
+            </a:schemeClr>
+          </a:lnRef>
+          <a:fillRef idx="1">
+            <a:schemeClr val="accent1"/>
+          </a:fillRef>
+          <a:effectRef idx="0">
+            <a:schemeClr val="accent1"/>
+          </a:effectRef>
+          <a:fontRef idx="minor">
+            <a:schemeClr val="lt1"/>
+          </a:fontRef>
+        </p:style>
+        <p:txBody>
+          <a:bodyPr rtlCol="0" anchor="ctr"/>
+          <a:lstStyle/>
+          <a:p>
+            <a:pPr algn="ctr"/>
+            <a:r>
+              <a:rPr lang="ko-KR" altLang="en-US" dirty="0"/>
+              <a:t>승은</a:t>
+            </a:r>
+          </a:p>
+        </p:txBody>
+      </p:sp>
+      <p:sp>
+        <p:nvSpPr>
+          <p:cNvPr id="10" name="직사각형 9">
+            <a:extLst>
+              <a:ext uri="{FF2B5EF4-FFF2-40B4-BE49-F238E27FC236}">
+                <a16:creationId xmlns:a16="http://schemas.microsoft.com/office/drawing/2014/main" id="{E945830A-78F2-4951-BD27-57C7EC0A6680}"/>
+              </a:ext>
+            </a:extLst>
+          </p:cNvPr>
+          <p:cNvSpPr/>
+          <p:nvPr/>
+        </p:nvSpPr>
+        <p:spPr>
+          <a:xfrm>
+            <a:off x="304800" y="5112782"/>
+            <a:ext cx="1588168" cy="890976"/>
+          </a:xfrm>
+          <a:prstGeom prst="rect">
+            <a:avLst/>
+          </a:prstGeom>
+        </p:spPr>
+        <p:style>
+          <a:lnRef idx="2">
+            <a:schemeClr val="accent1">
+              <a:shade val="50000"/>
+            </a:schemeClr>
+          </a:lnRef>
+          <a:fillRef idx="1">
+            <a:schemeClr val="accent1"/>
+          </a:fillRef>
+          <a:effectRef idx="0">
+            <a:schemeClr val="accent1"/>
+          </a:effectRef>
+          <a:fontRef idx="minor">
+            <a:schemeClr val="lt1"/>
+          </a:fontRef>
+        </p:style>
+        <p:txBody>
+          <a:bodyPr rtlCol="0" anchor="ctr"/>
+          <a:lstStyle/>
+          <a:p>
+            <a:pPr algn="ctr"/>
+            <a:r>
+              <a:rPr lang="ko-KR" altLang="en-US" dirty="0" err="1"/>
+              <a:t>광완</a:t>
+            </a:r>
+            <a:endParaRPr lang="ko-KR" altLang="en-US" dirty="0"/>
+          </a:p>
+        </p:txBody>
+      </p:sp>
+      <p:sp>
+        <p:nvSpPr>
+          <p:cNvPr id="2" name="TextBox 1">
+            <a:extLst>
+              <a:ext uri="{FF2B5EF4-FFF2-40B4-BE49-F238E27FC236}">
+                <a16:creationId xmlns:a16="http://schemas.microsoft.com/office/drawing/2014/main" id="{4F371523-C22C-4A96-B377-D8E0774C77F7}"/>
+              </a:ext>
+            </a:extLst>
+          </p:cNvPr>
+          <p:cNvSpPr txBox="1"/>
+          <p:nvPr/>
+        </p:nvSpPr>
+        <p:spPr>
+          <a:xfrm>
+            <a:off x="1436887" y="266777"/>
+            <a:ext cx="1420582" cy="369332"/>
+          </a:xfrm>
+          <a:prstGeom prst="rect">
+            <a:avLst/>
+          </a:prstGeom>
+          <a:noFill/>
+        </p:spPr>
+        <p:txBody>
+          <a:bodyPr wrap="none" rtlCol="0">
+            <a:spAutoFit/>
+          </a:bodyPr>
+          <a:lstStyle/>
+          <a:p>
+            <a:r>
+              <a:rPr lang="ko-KR" altLang="en-US" dirty="0"/>
+              <a:t>숨기는 기능</a:t>
+            </a:r>
+          </a:p>
+        </p:txBody>
+      </p:sp>
+      <p:sp>
+        <p:nvSpPr>
+          <p:cNvPr id="3" name="TextBox 2">
+            <a:extLst>
+              <a:ext uri="{FF2B5EF4-FFF2-40B4-BE49-F238E27FC236}">
+                <a16:creationId xmlns:a16="http://schemas.microsoft.com/office/drawing/2014/main" id="{37BF8FFE-76A2-4B7F-9FFB-BC8377F249AD}"/>
+              </a:ext>
+            </a:extLst>
+          </p:cNvPr>
+          <p:cNvSpPr txBox="1"/>
+          <p:nvPr/>
+        </p:nvSpPr>
+        <p:spPr>
+          <a:xfrm>
+            <a:off x="2662991" y="1182604"/>
+            <a:ext cx="1828642" cy="369332"/>
+          </a:xfrm>
+          <a:prstGeom prst="rect">
+            <a:avLst/>
+          </a:prstGeom>
+          <a:noFill/>
+        </p:spPr>
+        <p:txBody>
+          <a:bodyPr wrap="none" rtlCol="0">
+            <a:spAutoFit/>
+          </a:bodyPr>
+          <a:lstStyle/>
+          <a:p>
+            <a:r>
+              <a:rPr lang="en-US" altLang="ko-KR" dirty="0"/>
+              <a:t>Tag:</a:t>
+            </a:r>
+            <a:r>
+              <a:rPr lang="ko-KR" altLang="en-US" dirty="0"/>
+              <a:t> </a:t>
+            </a:r>
+            <a:r>
+              <a:rPr lang="ko-KR" altLang="en-US" dirty="0" err="1"/>
+              <a:t>슈퍼마리오</a:t>
+            </a:r>
+            <a:endParaRPr lang="ko-KR" altLang="en-US" dirty="0"/>
+          </a:p>
+        </p:txBody>
+      </p:sp>
+      <p:sp>
+        <p:nvSpPr>
+          <p:cNvPr id="5" name="직사각형 4">
+            <a:extLst>
+              <a:ext uri="{FF2B5EF4-FFF2-40B4-BE49-F238E27FC236}">
+                <a16:creationId xmlns:a16="http://schemas.microsoft.com/office/drawing/2014/main" id="{849B08FF-87B5-45FA-A2CA-9F1D706B97F6}"/>
+              </a:ext>
+            </a:extLst>
+          </p:cNvPr>
+          <p:cNvSpPr/>
+          <p:nvPr/>
+        </p:nvSpPr>
+        <p:spPr>
+          <a:xfrm>
+            <a:off x="3141785" y="2098431"/>
+            <a:ext cx="1887405" cy="1535723"/>
+          </a:xfrm>
+          <a:prstGeom prst="rect">
+            <a:avLst/>
+          </a:prstGeom>
+        </p:spPr>
+        <p:style>
+          <a:lnRef idx="2">
+            <a:schemeClr val="accent1">
+              <a:shade val="50000"/>
+            </a:schemeClr>
+          </a:lnRef>
+          <a:fillRef idx="1">
+            <a:schemeClr val="accent1"/>
+          </a:fillRef>
+          <a:effectRef idx="0">
+            <a:schemeClr val="accent1"/>
+          </a:effectRef>
+          <a:fontRef idx="minor">
+            <a:schemeClr val="lt1"/>
+          </a:fontRef>
+        </p:style>
+        <p:txBody>
+          <a:bodyPr rtlCol="0" anchor="ctr"/>
+          <a:lstStyle/>
+          <a:p>
+            <a:pPr algn="ctr"/>
+            <a:r>
+              <a:rPr lang="ko-KR" altLang="en-US" dirty="0" err="1"/>
+              <a:t>슈퍼마리오</a:t>
+            </a:r>
+            <a:r>
+              <a:rPr lang="ko-KR" altLang="en-US" dirty="0"/>
+              <a:t> 공략 </a:t>
+            </a:r>
+            <a:r>
+              <a:rPr lang="en-US" altLang="ko-KR" dirty="0"/>
+              <a:t>1 - </a:t>
+            </a:r>
+            <a:r>
+              <a:rPr lang="ko-KR" altLang="en-US" dirty="0"/>
+              <a:t>용현</a:t>
+            </a:r>
+          </a:p>
+        </p:txBody>
+      </p:sp>
+      <p:sp>
+        <p:nvSpPr>
+          <p:cNvPr id="13" name="직사각형 12">
+            <a:extLst>
+              <a:ext uri="{FF2B5EF4-FFF2-40B4-BE49-F238E27FC236}">
+                <a16:creationId xmlns:a16="http://schemas.microsoft.com/office/drawing/2014/main" id="{702CA537-EE42-4BE1-8779-33B1A7E3E32B}"/>
+              </a:ext>
+            </a:extLst>
+          </p:cNvPr>
+          <p:cNvSpPr/>
+          <p:nvPr/>
+        </p:nvSpPr>
+        <p:spPr>
+          <a:xfrm>
+            <a:off x="6096000" y="2092569"/>
+            <a:ext cx="1887405" cy="1535723"/>
+          </a:xfrm>
+          <a:prstGeom prst="rect">
+            <a:avLst/>
+          </a:prstGeom>
+        </p:spPr>
+        <p:style>
+          <a:lnRef idx="2">
+            <a:schemeClr val="accent1">
+              <a:shade val="50000"/>
+            </a:schemeClr>
+          </a:lnRef>
+          <a:fillRef idx="1">
+            <a:schemeClr val="accent1"/>
+          </a:fillRef>
+          <a:effectRef idx="0">
+            <a:schemeClr val="accent1"/>
+          </a:effectRef>
+          <a:fontRef idx="minor">
+            <a:schemeClr val="lt1"/>
+          </a:fontRef>
+        </p:style>
+        <p:txBody>
+          <a:bodyPr rtlCol="0" anchor="ctr"/>
+          <a:lstStyle/>
+          <a:p>
+            <a:pPr algn="ctr"/>
+            <a:r>
+              <a:rPr lang="ko-KR" altLang="en-US" dirty="0"/>
+              <a:t>슈퍼 </a:t>
+            </a:r>
+            <a:r>
+              <a:rPr lang="ko-KR" altLang="en-US" dirty="0" err="1"/>
+              <a:t>마리오</a:t>
+            </a:r>
+            <a:r>
+              <a:rPr lang="ko-KR" altLang="en-US" dirty="0"/>
+              <a:t> 개론 </a:t>
+            </a:r>
+            <a:r>
+              <a:rPr lang="en-US" altLang="ko-KR" dirty="0"/>
+              <a:t>- </a:t>
+            </a:r>
+            <a:r>
+              <a:rPr lang="ko-KR" altLang="en-US" dirty="0" err="1"/>
+              <a:t>광완</a:t>
+            </a:r>
+            <a:endParaRPr lang="ko-KR" altLang="en-US" dirty="0"/>
+          </a:p>
+        </p:txBody>
+      </p:sp>
+      <p:sp>
+        <p:nvSpPr>
+          <p:cNvPr id="14" name="직사각형 13">
+            <a:extLst>
+              <a:ext uri="{FF2B5EF4-FFF2-40B4-BE49-F238E27FC236}">
+                <a16:creationId xmlns:a16="http://schemas.microsoft.com/office/drawing/2014/main" id="{5A7F8996-D4EB-48C2-97EE-8DD1D4AAAB9A}"/>
+              </a:ext>
+            </a:extLst>
+          </p:cNvPr>
+          <p:cNvSpPr/>
+          <p:nvPr/>
+        </p:nvSpPr>
+        <p:spPr>
+          <a:xfrm>
+            <a:off x="9203089" y="2092569"/>
+            <a:ext cx="1887405" cy="1535723"/>
+          </a:xfrm>
+          <a:prstGeom prst="rect">
+            <a:avLst/>
+          </a:prstGeom>
+        </p:spPr>
+        <p:style>
+          <a:lnRef idx="2">
+            <a:schemeClr val="accent1">
+              <a:shade val="50000"/>
+            </a:schemeClr>
+          </a:lnRef>
+          <a:fillRef idx="1">
+            <a:schemeClr val="accent1"/>
+          </a:fillRef>
+          <a:effectRef idx="0">
+            <a:schemeClr val="accent1"/>
+          </a:effectRef>
+          <a:fontRef idx="minor">
+            <a:schemeClr val="lt1"/>
+          </a:fontRef>
+        </p:style>
+        <p:txBody>
+          <a:bodyPr rtlCol="0" anchor="ctr"/>
+          <a:lstStyle/>
+          <a:p>
+            <a:pPr algn="ctr"/>
+            <a:endParaRPr lang="ko-KR" altLang="en-US" dirty="0"/>
+          </a:p>
+        </p:txBody>
+      </p:sp>
+      <p:sp>
+        <p:nvSpPr>
+          <p:cNvPr id="15" name="직사각형 14">
+            <a:extLst>
+              <a:ext uri="{FF2B5EF4-FFF2-40B4-BE49-F238E27FC236}">
+                <a16:creationId xmlns:a16="http://schemas.microsoft.com/office/drawing/2014/main" id="{85EBD4A5-BE9B-4ACE-96AB-D0B5CFEC2A6A}"/>
+              </a:ext>
+            </a:extLst>
+          </p:cNvPr>
+          <p:cNvSpPr/>
+          <p:nvPr/>
+        </p:nvSpPr>
+        <p:spPr>
+          <a:xfrm>
+            <a:off x="3141784" y="4139673"/>
+            <a:ext cx="1887405" cy="1535723"/>
+          </a:xfrm>
+          <a:prstGeom prst="rect">
+            <a:avLst/>
+          </a:prstGeom>
+        </p:spPr>
+        <p:style>
+          <a:lnRef idx="2">
+            <a:schemeClr val="accent1">
+              <a:shade val="50000"/>
+            </a:schemeClr>
+          </a:lnRef>
+          <a:fillRef idx="1">
+            <a:schemeClr val="accent1"/>
+          </a:fillRef>
+          <a:effectRef idx="0">
+            <a:schemeClr val="accent1"/>
+          </a:effectRef>
+          <a:fontRef idx="minor">
+            <a:schemeClr val="lt1"/>
+          </a:fontRef>
+        </p:style>
+        <p:txBody>
+          <a:bodyPr rtlCol="0" anchor="ctr"/>
+          <a:lstStyle/>
+          <a:p>
+            <a:pPr algn="ctr"/>
+            <a:endParaRPr lang="ko-KR" altLang="en-US"/>
+          </a:p>
+        </p:txBody>
+      </p:sp>
+      <p:sp>
+        <p:nvSpPr>
+          <p:cNvPr id="16" name="직사각형 15">
+            <a:extLst>
+              <a:ext uri="{FF2B5EF4-FFF2-40B4-BE49-F238E27FC236}">
+                <a16:creationId xmlns:a16="http://schemas.microsoft.com/office/drawing/2014/main" id="{0AE18B09-5B6F-4800-9D6E-3BBDF51912E9}"/>
+              </a:ext>
+            </a:extLst>
+          </p:cNvPr>
+          <p:cNvSpPr/>
+          <p:nvPr/>
+        </p:nvSpPr>
+        <p:spPr>
+          <a:xfrm>
+            <a:off x="6121540" y="4139673"/>
+            <a:ext cx="1887405" cy="1535723"/>
+          </a:xfrm>
+          <a:prstGeom prst="rect">
+            <a:avLst/>
+          </a:prstGeom>
+        </p:spPr>
+        <p:style>
+          <a:lnRef idx="2">
+            <a:schemeClr val="accent1">
+              <a:shade val="50000"/>
+            </a:schemeClr>
+          </a:lnRef>
+          <a:fillRef idx="1">
+            <a:schemeClr val="accent1"/>
+          </a:fillRef>
+          <a:effectRef idx="0">
+            <a:schemeClr val="accent1"/>
+          </a:effectRef>
+          <a:fontRef idx="minor">
+            <a:schemeClr val="lt1"/>
+          </a:fontRef>
+        </p:style>
+        <p:txBody>
+          <a:bodyPr rtlCol="0" anchor="ctr"/>
+          <a:lstStyle/>
+          <a:p>
+            <a:pPr algn="ctr"/>
+            <a:endParaRPr lang="ko-KR" altLang="en-US"/>
+          </a:p>
+        </p:txBody>
+      </p:sp>
+      <p:sp>
+        <p:nvSpPr>
+          <p:cNvPr id="17" name="직사각형 16">
+            <a:extLst>
+              <a:ext uri="{FF2B5EF4-FFF2-40B4-BE49-F238E27FC236}">
+                <a16:creationId xmlns:a16="http://schemas.microsoft.com/office/drawing/2014/main" id="{B0D7F92A-9A80-4AD4-B4FF-FD9A4DBFF885}"/>
+              </a:ext>
+            </a:extLst>
+          </p:cNvPr>
+          <p:cNvSpPr/>
+          <p:nvPr/>
+        </p:nvSpPr>
+        <p:spPr>
+          <a:xfrm>
+            <a:off x="9203089" y="4139673"/>
+            <a:ext cx="1887405" cy="1535723"/>
+          </a:xfrm>
+          <a:prstGeom prst="rect">
+            <a:avLst/>
+          </a:prstGeom>
+        </p:spPr>
+        <p:style>
+          <a:lnRef idx="2">
+            <a:schemeClr val="accent1">
+              <a:shade val="50000"/>
+            </a:schemeClr>
+          </a:lnRef>
+          <a:fillRef idx="1">
+            <a:schemeClr val="accent1"/>
+          </a:fillRef>
+          <a:effectRef idx="0">
+            <a:schemeClr val="accent1"/>
+          </a:effectRef>
+          <a:fontRef idx="minor">
+            <a:schemeClr val="lt1"/>
+          </a:fontRef>
+        </p:style>
+        <p:txBody>
+          <a:bodyPr rtlCol="0" anchor="ctr"/>
+          <a:lstStyle/>
+          <a:p>
+            <a:pPr algn="ctr"/>
+            <a:endParaRPr lang="ko-KR" altLang="en-US"/>
+          </a:p>
+        </p:txBody>
+      </p:sp>
+      <p:sp>
+        <p:nvSpPr>
+          <p:cNvPr id="18" name="TextBox 17">
+            <a:extLst>
+              <a:ext uri="{FF2B5EF4-FFF2-40B4-BE49-F238E27FC236}">
+                <a16:creationId xmlns:a16="http://schemas.microsoft.com/office/drawing/2014/main" id="{66FAAC7C-A23C-45A1-8F6A-EBCCB67DD534}"/>
+              </a:ext>
+            </a:extLst>
+          </p:cNvPr>
+          <p:cNvSpPr txBox="1"/>
+          <p:nvPr/>
+        </p:nvSpPr>
+        <p:spPr>
+          <a:xfrm>
+            <a:off x="6890630" y="183118"/>
+            <a:ext cx="1651414" cy="369332"/>
+          </a:xfrm>
+          <a:prstGeom prst="rect">
+            <a:avLst/>
+          </a:prstGeom>
+          <a:noFill/>
+        </p:spPr>
+        <p:txBody>
+          <a:bodyPr wrap="none" rtlCol="0">
+            <a:spAutoFit/>
+          </a:bodyPr>
+          <a:lstStyle/>
+          <a:p>
+            <a:r>
+              <a:rPr lang="ko-KR" altLang="en-US" dirty="0"/>
+              <a:t>홈페이지 링크</a:t>
+            </a:r>
+          </a:p>
+        </p:txBody>
+      </p:sp>
+      <p:pic>
+        <p:nvPicPr>
+          <p:cNvPr id="20" name="그림 19">
+            <a:extLst>
+              <a:ext uri="{FF2B5EF4-FFF2-40B4-BE49-F238E27FC236}">
+                <a16:creationId xmlns:a16="http://schemas.microsoft.com/office/drawing/2014/main" id="{FB75EBA1-26D6-46E2-8880-BDC0DC303352}"/>
+              </a:ext>
+            </a:extLst>
+          </p:cNvPr>
+          <p:cNvPicPr>
+            <a:picLocks noChangeAspect="1"/>
+          </p:cNvPicPr>
+          <p:nvPr/>
+        </p:nvPicPr>
+        <p:blipFill>
+          <a:blip r:embed="rId2">
+            <a:extLst>
+              <a:ext uri="{28A0092B-C50C-407E-A947-70E740481C1C}">
+                <a14:useLocalDpi xmlns:a14="http://schemas.microsoft.com/office/drawing/2010/main" val="0"/>
+              </a:ext>
+            </a:extLst>
+          </a:blip>
+          <a:stretch>
+            <a:fillRect/>
+          </a:stretch>
+        </p:blipFill>
+        <p:spPr>
+          <a:xfrm>
+            <a:off x="772681" y="188466"/>
+            <a:ext cx="490735" cy="490735"/>
+          </a:xfrm>
+          <a:prstGeom prst="rect">
+            <a:avLst/>
+          </a:prstGeom>
+        </p:spPr>
+      </p:pic>
+      <p:sp>
+        <p:nvSpPr>
+          <p:cNvPr id="21" name="직사각형 20">
+            <a:extLst>
+              <a:ext uri="{FF2B5EF4-FFF2-40B4-BE49-F238E27FC236}">
+                <a16:creationId xmlns:a16="http://schemas.microsoft.com/office/drawing/2014/main" id="{B603C1A0-45D6-4645-8887-979D99CEC6EF}"/>
+              </a:ext>
+            </a:extLst>
+          </p:cNvPr>
+          <p:cNvSpPr/>
+          <p:nvPr/>
+        </p:nvSpPr>
+        <p:spPr>
+          <a:xfrm>
+            <a:off x="8736387" y="367784"/>
+            <a:ext cx="2355267" cy="578904"/>
+          </a:xfrm>
+          <a:prstGeom prst="rect">
+            <a:avLst/>
+          </a:prstGeom>
+        </p:spPr>
+        <p:style>
+          <a:lnRef idx="2">
+            <a:schemeClr val="accent1">
+              <a:shade val="50000"/>
+            </a:schemeClr>
+          </a:lnRef>
+          <a:fillRef idx="1">
+            <a:schemeClr val="accent1"/>
+          </a:fillRef>
+          <a:effectRef idx="0">
+            <a:schemeClr val="accent1"/>
+          </a:effectRef>
+          <a:fontRef idx="minor">
+            <a:schemeClr val="lt1"/>
+          </a:fontRef>
+        </p:style>
+        <p:txBody>
+          <a:bodyPr rtlCol="0" anchor="ctr"/>
+          <a:lstStyle/>
+          <a:p>
+            <a:pPr algn="ctr"/>
+            <a:r>
+              <a:rPr lang="ko-KR" altLang="en-US" dirty="0"/>
+              <a:t>검색</a:t>
+            </a:r>
+          </a:p>
+        </p:txBody>
+      </p:sp>
+    </p:spTree>
+    <p:extLst>
+      <p:ext uri="{BB962C8B-B14F-4D97-AF65-F5344CB8AC3E}">
+        <p14:creationId xmlns:p14="http://schemas.microsoft.com/office/powerpoint/2010/main" val="12535323"/>
+      </p:ext>
+    </p:extLst>
+  </p:cSld>
+  <p:clrMapOvr>
+    <a:masterClrMapping/>
+  </p:clrMapOvr>
+</p:sld>
+</file>
+
+<file path=ppt/slides/slide7.xml><?xml version="1.0" encoding="utf-8"?>
+<p:sld xmlns:a="http://schemas.openxmlformats.org/drawingml/2006/main" xmlns:r="http://schemas.openxmlformats.org/officeDocument/2006/relationships" xmlns:p="http://schemas.openxmlformats.org/presentationml/2006/main">
+  <p:cSld>
+    <p:spTree>
+      <p:nvGrpSpPr>
+        <p:cNvPr id="1" name=""/>
+        <p:cNvGrpSpPr/>
+        <p:nvPr/>
+      </p:nvGrpSpPr>
+      <p:grpSpPr>
+        <a:xfrm>
+          <a:off x="0" y="0"/>
+          <a:ext cx="0" cy="0"/>
+          <a:chOff x="0" y="0"/>
+          <a:chExt cx="0" cy="0"/>
+        </a:xfrm>
+      </p:grpSpPr>
+      <p:sp>
+        <p:nvSpPr>
+          <p:cNvPr id="4" name="TextBox 3">
+            <a:extLst>
+              <a:ext uri="{FF2B5EF4-FFF2-40B4-BE49-F238E27FC236}">
+                <a16:creationId xmlns:a16="http://schemas.microsoft.com/office/drawing/2014/main" id="{CBC99591-0C2E-455E-84E1-E8CB957EF81F}"/>
+              </a:ext>
+            </a:extLst>
+          </p:cNvPr>
+          <p:cNvSpPr txBox="1"/>
+          <p:nvPr/>
+        </p:nvSpPr>
+        <p:spPr>
+          <a:xfrm>
+            <a:off x="6336632" y="552450"/>
+            <a:ext cx="1107996" cy="369332"/>
+          </a:xfrm>
+          <a:prstGeom prst="rect">
+            <a:avLst/>
+          </a:prstGeom>
+          <a:noFill/>
+          <a:ln>
+            <a:solidFill>
+              <a:schemeClr val="accent1"/>
+            </a:solidFill>
+          </a:ln>
+        </p:spPr>
+        <p:txBody>
+          <a:bodyPr wrap="none" rtlCol="0">
+            <a:spAutoFit/>
+          </a:bodyPr>
+          <a:lstStyle/>
+          <a:p>
+            <a:r>
+              <a:rPr lang="ko-KR" altLang="en-US" dirty="0"/>
+              <a:t>사이트명</a:t>
+            </a:r>
+          </a:p>
+        </p:txBody>
+      </p:sp>
+      <p:cxnSp>
+        <p:nvCxnSpPr>
+          <p:cNvPr id="6" name="직선 연결선 5">
+            <a:extLst>
+              <a:ext uri="{FF2B5EF4-FFF2-40B4-BE49-F238E27FC236}">
+                <a16:creationId xmlns:a16="http://schemas.microsoft.com/office/drawing/2014/main" id="{70EB0699-E664-496C-B3DF-098CE14F70B7}"/>
+              </a:ext>
+            </a:extLst>
+          </p:cNvPr>
+          <p:cNvCxnSpPr/>
+          <p:nvPr/>
+        </p:nvCxnSpPr>
+        <p:spPr>
+          <a:xfrm>
+            <a:off x="2277979" y="0"/>
+            <a:ext cx="0" cy="6858000"/>
+          </a:xfrm>
+          <a:prstGeom prst="line">
+            <a:avLst/>
+          </a:prstGeom>
+        </p:spPr>
+        <p:style>
+          <a:lnRef idx="1">
+            <a:schemeClr val="accent1"/>
+          </a:lnRef>
+          <a:fillRef idx="0">
+            <a:schemeClr val="accent1"/>
+          </a:fillRef>
+          <a:effectRef idx="0">
+            <a:schemeClr val="accent1"/>
+          </a:effectRef>
+          <a:fontRef idx="minor">
+            <a:schemeClr val="tx1"/>
+          </a:fontRef>
+        </p:style>
+      </p:cxnSp>
+      <p:sp>
+        <p:nvSpPr>
+          <p:cNvPr id="7" name="직사각형 6">
+            <a:extLst>
+              <a:ext uri="{FF2B5EF4-FFF2-40B4-BE49-F238E27FC236}">
+                <a16:creationId xmlns:a16="http://schemas.microsoft.com/office/drawing/2014/main" id="{F50A86E1-E613-4611-B52A-E50F01CAE133}"/>
+              </a:ext>
+            </a:extLst>
+          </p:cNvPr>
+          <p:cNvSpPr/>
+          <p:nvPr/>
+        </p:nvSpPr>
+        <p:spPr>
+          <a:xfrm>
+            <a:off x="304800" y="921782"/>
+            <a:ext cx="1588168" cy="890976"/>
+          </a:xfrm>
+          <a:prstGeom prst="rect">
+            <a:avLst/>
+          </a:prstGeom>
+        </p:spPr>
+        <p:style>
+          <a:lnRef idx="2">
+            <a:schemeClr val="accent1">
+              <a:shade val="50000"/>
+            </a:schemeClr>
+          </a:lnRef>
+          <a:fillRef idx="1">
+            <a:schemeClr val="accent1"/>
+          </a:fillRef>
+          <a:effectRef idx="0">
+            <a:schemeClr val="accent1"/>
+          </a:effectRef>
+          <a:fontRef idx="minor">
+            <a:schemeClr val="lt1"/>
+          </a:fontRef>
+        </p:style>
+        <p:txBody>
+          <a:bodyPr rtlCol="0" anchor="ctr"/>
+          <a:lstStyle/>
+          <a:p>
+            <a:pPr algn="ctr"/>
+            <a:r>
+              <a:rPr lang="ko-KR" altLang="en-US" dirty="0"/>
+              <a:t>용현</a:t>
+            </a:r>
+          </a:p>
+        </p:txBody>
+      </p:sp>
+      <p:sp>
+        <p:nvSpPr>
+          <p:cNvPr id="8" name="직사각형 7">
+            <a:extLst>
+              <a:ext uri="{FF2B5EF4-FFF2-40B4-BE49-F238E27FC236}">
+                <a16:creationId xmlns:a16="http://schemas.microsoft.com/office/drawing/2014/main" id="{EC5C90A3-B439-4A57-9314-D2822C057442}"/>
+              </a:ext>
+            </a:extLst>
+          </p:cNvPr>
+          <p:cNvSpPr/>
+          <p:nvPr/>
+        </p:nvSpPr>
+        <p:spPr>
+          <a:xfrm>
+            <a:off x="304800" y="2325466"/>
+            <a:ext cx="1588168" cy="890976"/>
+          </a:xfrm>
+          <a:prstGeom prst="rect">
+            <a:avLst/>
+          </a:prstGeom>
+        </p:spPr>
+        <p:style>
+          <a:lnRef idx="2">
+            <a:schemeClr val="accent1">
+              <a:shade val="50000"/>
+            </a:schemeClr>
+          </a:lnRef>
+          <a:fillRef idx="1">
+            <a:schemeClr val="accent1"/>
+          </a:fillRef>
+          <a:effectRef idx="0">
+            <a:schemeClr val="accent1"/>
+          </a:effectRef>
+          <a:fontRef idx="minor">
+            <a:schemeClr val="lt1"/>
+          </a:fontRef>
+        </p:style>
+        <p:txBody>
+          <a:bodyPr rtlCol="0" anchor="ctr"/>
+          <a:lstStyle/>
+          <a:p>
+            <a:pPr algn="ctr"/>
+            <a:r>
+              <a:rPr lang="ko-KR" altLang="en-US" dirty="0"/>
+              <a:t>혜빈</a:t>
+            </a:r>
+          </a:p>
+        </p:txBody>
+      </p:sp>
+      <p:sp>
+        <p:nvSpPr>
+          <p:cNvPr id="9" name="직사각형 8">
+            <a:extLst>
+              <a:ext uri="{FF2B5EF4-FFF2-40B4-BE49-F238E27FC236}">
+                <a16:creationId xmlns:a16="http://schemas.microsoft.com/office/drawing/2014/main" id="{403607F0-79D0-4C91-A95D-B24C9A53AD89}"/>
+              </a:ext>
+            </a:extLst>
+          </p:cNvPr>
+          <p:cNvSpPr/>
+          <p:nvPr/>
+        </p:nvSpPr>
+        <p:spPr>
+          <a:xfrm>
+            <a:off x="304800" y="3729150"/>
+            <a:ext cx="1588168" cy="890976"/>
+          </a:xfrm>
+          <a:prstGeom prst="rect">
+            <a:avLst/>
+          </a:prstGeom>
+        </p:spPr>
+        <p:style>
+          <a:lnRef idx="2">
+            <a:schemeClr val="accent1">
+              <a:shade val="50000"/>
+            </a:schemeClr>
+          </a:lnRef>
+          <a:fillRef idx="1">
+            <a:schemeClr val="accent1"/>
+          </a:fillRef>
+          <a:effectRef idx="0">
+            <a:schemeClr val="accent1"/>
+          </a:effectRef>
+          <a:fontRef idx="minor">
+            <a:schemeClr val="lt1"/>
+          </a:fontRef>
+        </p:style>
+        <p:txBody>
+          <a:bodyPr rtlCol="0" anchor="ctr"/>
+          <a:lstStyle/>
+          <a:p>
+            <a:pPr algn="ctr"/>
+            <a:r>
+              <a:rPr lang="ko-KR" altLang="en-US" dirty="0"/>
+              <a:t>승은</a:t>
+            </a:r>
+          </a:p>
+        </p:txBody>
+      </p:sp>
+      <p:sp>
+        <p:nvSpPr>
+          <p:cNvPr id="10" name="직사각형 9">
+            <a:extLst>
+              <a:ext uri="{FF2B5EF4-FFF2-40B4-BE49-F238E27FC236}">
+                <a16:creationId xmlns:a16="http://schemas.microsoft.com/office/drawing/2014/main" id="{E945830A-78F2-4951-BD27-57C7EC0A6680}"/>
+              </a:ext>
+            </a:extLst>
+          </p:cNvPr>
+          <p:cNvSpPr/>
+          <p:nvPr/>
+        </p:nvSpPr>
+        <p:spPr>
+          <a:xfrm>
+            <a:off x="304800" y="5112782"/>
+            <a:ext cx="1588168" cy="890976"/>
+          </a:xfrm>
+          <a:prstGeom prst="rect">
+            <a:avLst/>
+          </a:prstGeom>
+        </p:spPr>
+        <p:style>
+          <a:lnRef idx="2">
+            <a:schemeClr val="accent1">
+              <a:shade val="50000"/>
+            </a:schemeClr>
+          </a:lnRef>
+          <a:fillRef idx="1">
+            <a:schemeClr val="accent1"/>
+          </a:fillRef>
+          <a:effectRef idx="0">
+            <a:schemeClr val="accent1"/>
+          </a:effectRef>
+          <a:fontRef idx="minor">
+            <a:schemeClr val="lt1"/>
+          </a:fontRef>
+        </p:style>
+        <p:txBody>
+          <a:bodyPr rtlCol="0" anchor="ctr"/>
+          <a:lstStyle/>
+          <a:p>
+            <a:pPr algn="ctr"/>
+            <a:r>
+              <a:rPr lang="ko-KR" altLang="en-US" dirty="0" err="1"/>
+              <a:t>광완</a:t>
+            </a:r>
+            <a:endParaRPr lang="ko-KR" altLang="en-US" dirty="0"/>
+          </a:p>
+        </p:txBody>
+      </p:sp>
+      <p:sp>
+        <p:nvSpPr>
+          <p:cNvPr id="2" name="TextBox 1">
+            <a:extLst>
+              <a:ext uri="{FF2B5EF4-FFF2-40B4-BE49-F238E27FC236}">
+                <a16:creationId xmlns:a16="http://schemas.microsoft.com/office/drawing/2014/main" id="{4F371523-C22C-4A96-B377-D8E0774C77F7}"/>
+              </a:ext>
+            </a:extLst>
+          </p:cNvPr>
+          <p:cNvSpPr txBox="1"/>
+          <p:nvPr/>
+        </p:nvSpPr>
+        <p:spPr>
+          <a:xfrm>
+            <a:off x="1436887" y="266777"/>
+            <a:ext cx="1420582" cy="369332"/>
+          </a:xfrm>
+          <a:prstGeom prst="rect">
+            <a:avLst/>
+          </a:prstGeom>
+          <a:noFill/>
+        </p:spPr>
+        <p:txBody>
+          <a:bodyPr wrap="none" rtlCol="0">
+            <a:spAutoFit/>
+          </a:bodyPr>
+          <a:lstStyle/>
+          <a:p>
+            <a:r>
+              <a:rPr lang="ko-KR" altLang="en-US" dirty="0"/>
+              <a:t>숨기는 기능</a:t>
+            </a:r>
+          </a:p>
+        </p:txBody>
+      </p:sp>
+      <p:sp>
+        <p:nvSpPr>
+          <p:cNvPr id="3" name="TextBox 2">
+            <a:extLst>
+              <a:ext uri="{FF2B5EF4-FFF2-40B4-BE49-F238E27FC236}">
+                <a16:creationId xmlns:a16="http://schemas.microsoft.com/office/drawing/2014/main" id="{37BF8FFE-76A2-4B7F-9FFB-BC8377F249AD}"/>
+              </a:ext>
+            </a:extLst>
+          </p:cNvPr>
+          <p:cNvSpPr txBox="1"/>
+          <p:nvPr/>
+        </p:nvSpPr>
+        <p:spPr>
+          <a:xfrm>
+            <a:off x="2662991" y="1182604"/>
+            <a:ext cx="1730025" cy="369332"/>
+          </a:xfrm>
+          <a:prstGeom prst="rect">
+            <a:avLst/>
+          </a:prstGeom>
+          <a:noFill/>
+        </p:spPr>
+        <p:txBody>
+          <a:bodyPr wrap="none" rtlCol="0">
+            <a:spAutoFit/>
+          </a:bodyPr>
+          <a:lstStyle/>
+          <a:p>
+            <a:r>
+              <a:rPr lang="en-US" altLang="ko-KR" dirty="0"/>
+              <a:t>Category:</a:t>
+            </a:r>
+            <a:r>
+              <a:rPr lang="ko-KR" altLang="en-US" dirty="0"/>
+              <a:t> 게임</a:t>
+            </a:r>
+          </a:p>
+        </p:txBody>
+      </p:sp>
+      <p:sp>
+        <p:nvSpPr>
+          <p:cNvPr id="5" name="직사각형 4">
+            <a:extLst>
+              <a:ext uri="{FF2B5EF4-FFF2-40B4-BE49-F238E27FC236}">
+                <a16:creationId xmlns:a16="http://schemas.microsoft.com/office/drawing/2014/main" id="{849B08FF-87B5-45FA-A2CA-9F1D706B97F6}"/>
+              </a:ext>
+            </a:extLst>
+          </p:cNvPr>
+          <p:cNvSpPr/>
+          <p:nvPr/>
+        </p:nvSpPr>
+        <p:spPr>
+          <a:xfrm>
+            <a:off x="3141785" y="2098431"/>
+            <a:ext cx="1887405" cy="1535723"/>
+          </a:xfrm>
+          <a:prstGeom prst="rect">
+            <a:avLst/>
+          </a:prstGeom>
+        </p:spPr>
+        <p:style>
+          <a:lnRef idx="2">
+            <a:schemeClr val="accent1">
+              <a:shade val="50000"/>
+            </a:schemeClr>
+          </a:lnRef>
+          <a:fillRef idx="1">
+            <a:schemeClr val="accent1"/>
+          </a:fillRef>
+          <a:effectRef idx="0">
+            <a:schemeClr val="accent1"/>
+          </a:effectRef>
+          <a:fontRef idx="minor">
+            <a:schemeClr val="lt1"/>
+          </a:fontRef>
+        </p:style>
+        <p:txBody>
+          <a:bodyPr rtlCol="0" anchor="ctr"/>
+          <a:lstStyle/>
+          <a:p>
+            <a:pPr algn="ctr"/>
+            <a:r>
+              <a:rPr lang="ko-KR" altLang="en-US" dirty="0" err="1"/>
+              <a:t>슈퍼마리오</a:t>
+            </a:r>
+            <a:r>
+              <a:rPr lang="ko-KR" altLang="en-US" dirty="0"/>
+              <a:t> 공략 </a:t>
+            </a:r>
+            <a:r>
+              <a:rPr lang="en-US" altLang="ko-KR" dirty="0"/>
+              <a:t>1 - </a:t>
+            </a:r>
+            <a:r>
+              <a:rPr lang="ko-KR" altLang="en-US" dirty="0"/>
+              <a:t>용현</a:t>
+            </a:r>
+          </a:p>
+        </p:txBody>
+      </p:sp>
+      <p:sp>
+        <p:nvSpPr>
+          <p:cNvPr id="13" name="직사각형 12">
+            <a:extLst>
+              <a:ext uri="{FF2B5EF4-FFF2-40B4-BE49-F238E27FC236}">
+                <a16:creationId xmlns:a16="http://schemas.microsoft.com/office/drawing/2014/main" id="{702CA537-EE42-4BE1-8779-33B1A7E3E32B}"/>
+              </a:ext>
+            </a:extLst>
+          </p:cNvPr>
+          <p:cNvSpPr/>
+          <p:nvPr/>
+        </p:nvSpPr>
+        <p:spPr>
+          <a:xfrm>
+            <a:off x="6096000" y="2092569"/>
+            <a:ext cx="1887405" cy="1535723"/>
+          </a:xfrm>
+          <a:prstGeom prst="rect">
+            <a:avLst/>
+          </a:prstGeom>
+        </p:spPr>
+        <p:style>
+          <a:lnRef idx="2">
+            <a:schemeClr val="accent1">
+              <a:shade val="50000"/>
+            </a:schemeClr>
+          </a:lnRef>
+          <a:fillRef idx="1">
+            <a:schemeClr val="accent1"/>
+          </a:fillRef>
+          <a:effectRef idx="0">
+            <a:schemeClr val="accent1"/>
+          </a:effectRef>
+          <a:fontRef idx="minor">
+            <a:schemeClr val="lt1"/>
+          </a:fontRef>
+        </p:style>
+        <p:txBody>
+          <a:bodyPr rtlCol="0" anchor="ctr"/>
+          <a:lstStyle/>
+          <a:p>
+            <a:pPr algn="ctr"/>
+            <a:r>
+              <a:rPr lang="ko-KR" altLang="en-US" dirty="0"/>
+              <a:t>슈퍼 </a:t>
+            </a:r>
+            <a:r>
+              <a:rPr lang="ko-KR" altLang="en-US" dirty="0" err="1"/>
+              <a:t>마리오</a:t>
+            </a:r>
+            <a:r>
+              <a:rPr lang="ko-KR" altLang="en-US" dirty="0"/>
+              <a:t> 개론 </a:t>
+            </a:r>
+            <a:r>
+              <a:rPr lang="en-US" altLang="ko-KR" dirty="0"/>
+              <a:t>- </a:t>
+            </a:r>
+            <a:r>
+              <a:rPr lang="ko-KR" altLang="en-US" dirty="0" err="1"/>
+              <a:t>광완</a:t>
+            </a:r>
+            <a:endParaRPr lang="ko-KR" altLang="en-US" dirty="0"/>
+          </a:p>
+        </p:txBody>
+      </p:sp>
+      <p:sp>
+        <p:nvSpPr>
+          <p:cNvPr id="14" name="직사각형 13">
+            <a:extLst>
+              <a:ext uri="{FF2B5EF4-FFF2-40B4-BE49-F238E27FC236}">
+                <a16:creationId xmlns:a16="http://schemas.microsoft.com/office/drawing/2014/main" id="{5A7F8996-D4EB-48C2-97EE-8DD1D4AAAB9A}"/>
+              </a:ext>
+            </a:extLst>
+          </p:cNvPr>
+          <p:cNvSpPr/>
+          <p:nvPr/>
+        </p:nvSpPr>
+        <p:spPr>
+          <a:xfrm>
+            <a:off x="9203089" y="2092569"/>
+            <a:ext cx="1887405" cy="1535723"/>
+          </a:xfrm>
+          <a:prstGeom prst="rect">
+            <a:avLst/>
+          </a:prstGeom>
+        </p:spPr>
+        <p:style>
+          <a:lnRef idx="2">
+            <a:schemeClr val="accent1">
+              <a:shade val="50000"/>
+            </a:schemeClr>
+          </a:lnRef>
+          <a:fillRef idx="1">
+            <a:schemeClr val="accent1"/>
+          </a:fillRef>
+          <a:effectRef idx="0">
+            <a:schemeClr val="accent1"/>
+          </a:effectRef>
+          <a:fontRef idx="minor">
+            <a:schemeClr val="lt1"/>
+          </a:fontRef>
+        </p:style>
+        <p:txBody>
+          <a:bodyPr rtlCol="0" anchor="ctr"/>
+          <a:lstStyle/>
+          <a:p>
+            <a:pPr algn="ctr"/>
+            <a:r>
+              <a:rPr lang="ko-KR" altLang="en-US" dirty="0"/>
+              <a:t>디아블로 공략 </a:t>
+            </a:r>
+            <a:r>
+              <a:rPr lang="en-US" altLang="ko-KR" dirty="0"/>
+              <a:t>1</a:t>
+            </a:r>
+            <a:endParaRPr lang="ko-KR" altLang="en-US" dirty="0"/>
+          </a:p>
+        </p:txBody>
+      </p:sp>
+      <p:sp>
+        <p:nvSpPr>
+          <p:cNvPr id="15" name="직사각형 14">
+            <a:extLst>
+              <a:ext uri="{FF2B5EF4-FFF2-40B4-BE49-F238E27FC236}">
+                <a16:creationId xmlns:a16="http://schemas.microsoft.com/office/drawing/2014/main" id="{85EBD4A5-BE9B-4ACE-96AB-D0B5CFEC2A6A}"/>
+              </a:ext>
+            </a:extLst>
+          </p:cNvPr>
+          <p:cNvSpPr/>
+          <p:nvPr/>
+        </p:nvSpPr>
+        <p:spPr>
+          <a:xfrm>
+            <a:off x="3141784" y="4139673"/>
+            <a:ext cx="1887405" cy="1535723"/>
+          </a:xfrm>
+          <a:prstGeom prst="rect">
+            <a:avLst/>
+          </a:prstGeom>
+        </p:spPr>
+        <p:style>
+          <a:lnRef idx="2">
+            <a:schemeClr val="accent1">
+              <a:shade val="50000"/>
+            </a:schemeClr>
+          </a:lnRef>
+          <a:fillRef idx="1">
+            <a:schemeClr val="accent1"/>
+          </a:fillRef>
+          <a:effectRef idx="0">
+            <a:schemeClr val="accent1"/>
+          </a:effectRef>
+          <a:fontRef idx="minor">
+            <a:schemeClr val="lt1"/>
+          </a:fontRef>
+        </p:style>
+        <p:txBody>
+          <a:bodyPr rtlCol="0" anchor="ctr"/>
+          <a:lstStyle/>
+          <a:p>
+            <a:pPr algn="ctr"/>
+            <a:endParaRPr lang="ko-KR" altLang="en-US"/>
+          </a:p>
+        </p:txBody>
+      </p:sp>
+      <p:sp>
+        <p:nvSpPr>
+          <p:cNvPr id="16" name="직사각형 15">
+            <a:extLst>
+              <a:ext uri="{FF2B5EF4-FFF2-40B4-BE49-F238E27FC236}">
+                <a16:creationId xmlns:a16="http://schemas.microsoft.com/office/drawing/2014/main" id="{0AE18B09-5B6F-4800-9D6E-3BBDF51912E9}"/>
+              </a:ext>
+            </a:extLst>
+          </p:cNvPr>
+          <p:cNvSpPr/>
+          <p:nvPr/>
+        </p:nvSpPr>
+        <p:spPr>
+          <a:xfrm>
+            <a:off x="6121540" y="4139673"/>
+            <a:ext cx="1887405" cy="1535723"/>
+          </a:xfrm>
+          <a:prstGeom prst="rect">
+            <a:avLst/>
+          </a:prstGeom>
+        </p:spPr>
+        <p:style>
+          <a:lnRef idx="2">
+            <a:schemeClr val="accent1">
+              <a:shade val="50000"/>
+            </a:schemeClr>
+          </a:lnRef>
+          <a:fillRef idx="1">
+            <a:schemeClr val="accent1"/>
+          </a:fillRef>
+          <a:effectRef idx="0">
+            <a:schemeClr val="accent1"/>
+          </a:effectRef>
+          <a:fontRef idx="minor">
+            <a:schemeClr val="lt1"/>
+          </a:fontRef>
+        </p:style>
+        <p:txBody>
+          <a:bodyPr rtlCol="0" anchor="ctr"/>
+          <a:lstStyle/>
+          <a:p>
+            <a:pPr algn="ctr"/>
+            <a:endParaRPr lang="ko-KR" altLang="en-US"/>
+          </a:p>
+        </p:txBody>
+      </p:sp>
+      <p:sp>
+        <p:nvSpPr>
+          <p:cNvPr id="17" name="직사각형 16">
+            <a:extLst>
+              <a:ext uri="{FF2B5EF4-FFF2-40B4-BE49-F238E27FC236}">
+                <a16:creationId xmlns:a16="http://schemas.microsoft.com/office/drawing/2014/main" id="{B0D7F92A-9A80-4AD4-B4FF-FD9A4DBFF885}"/>
+              </a:ext>
+            </a:extLst>
+          </p:cNvPr>
+          <p:cNvSpPr/>
+          <p:nvPr/>
+        </p:nvSpPr>
+        <p:spPr>
+          <a:xfrm>
+            <a:off x="9203089" y="4139673"/>
+            <a:ext cx="1887405" cy="1535723"/>
+          </a:xfrm>
+          <a:prstGeom prst="rect">
+            <a:avLst/>
+          </a:prstGeom>
+        </p:spPr>
+        <p:style>
+          <a:lnRef idx="2">
+            <a:schemeClr val="accent1">
+              <a:shade val="50000"/>
+            </a:schemeClr>
+          </a:lnRef>
+          <a:fillRef idx="1">
+            <a:schemeClr val="accent1"/>
+          </a:fillRef>
+          <a:effectRef idx="0">
+            <a:schemeClr val="accent1"/>
+          </a:effectRef>
+          <a:fontRef idx="minor">
+            <a:schemeClr val="lt1"/>
+          </a:fontRef>
+        </p:style>
+        <p:txBody>
+          <a:bodyPr rtlCol="0" anchor="ctr"/>
+          <a:lstStyle/>
+          <a:p>
+            <a:pPr algn="ctr"/>
+            <a:endParaRPr lang="ko-KR" altLang="en-US"/>
+          </a:p>
+        </p:txBody>
+      </p:sp>
+      <p:sp>
+        <p:nvSpPr>
+          <p:cNvPr id="18" name="TextBox 17">
+            <a:extLst>
+              <a:ext uri="{FF2B5EF4-FFF2-40B4-BE49-F238E27FC236}">
+                <a16:creationId xmlns:a16="http://schemas.microsoft.com/office/drawing/2014/main" id="{66FAAC7C-A23C-45A1-8F6A-EBCCB67DD534}"/>
+              </a:ext>
+            </a:extLst>
+          </p:cNvPr>
+          <p:cNvSpPr txBox="1"/>
+          <p:nvPr/>
+        </p:nvSpPr>
+        <p:spPr>
+          <a:xfrm>
+            <a:off x="6890630" y="183118"/>
+            <a:ext cx="1651414" cy="369332"/>
+          </a:xfrm>
+          <a:prstGeom prst="rect">
+            <a:avLst/>
+          </a:prstGeom>
+          <a:noFill/>
+        </p:spPr>
+        <p:txBody>
+          <a:bodyPr wrap="none" rtlCol="0">
+            <a:spAutoFit/>
+          </a:bodyPr>
+          <a:lstStyle/>
+          <a:p>
+            <a:r>
+              <a:rPr lang="ko-KR" altLang="en-US" dirty="0"/>
+              <a:t>홈페이지 링크</a:t>
+            </a:r>
+          </a:p>
+        </p:txBody>
+      </p:sp>
+      <p:pic>
+        <p:nvPicPr>
+          <p:cNvPr id="20" name="그림 19">
+            <a:extLst>
+              <a:ext uri="{FF2B5EF4-FFF2-40B4-BE49-F238E27FC236}">
+                <a16:creationId xmlns:a16="http://schemas.microsoft.com/office/drawing/2014/main" id="{FB75EBA1-26D6-46E2-8880-BDC0DC303352}"/>
+              </a:ext>
+            </a:extLst>
+          </p:cNvPr>
+          <p:cNvPicPr>
+            <a:picLocks noChangeAspect="1"/>
+          </p:cNvPicPr>
+          <p:nvPr/>
+        </p:nvPicPr>
+        <p:blipFill>
+          <a:blip r:embed="rId2">
+            <a:extLst>
+              <a:ext uri="{28A0092B-C50C-407E-A947-70E740481C1C}">
+                <a14:useLocalDpi xmlns:a14="http://schemas.microsoft.com/office/drawing/2010/main" val="0"/>
+              </a:ext>
+            </a:extLst>
+          </a:blip>
+          <a:stretch>
+            <a:fillRect/>
+          </a:stretch>
+        </p:blipFill>
+        <p:spPr>
+          <a:xfrm>
+            <a:off x="772681" y="188466"/>
+            <a:ext cx="490735" cy="490735"/>
+          </a:xfrm>
+          <a:prstGeom prst="rect">
+            <a:avLst/>
+          </a:prstGeom>
+        </p:spPr>
+      </p:pic>
+      <p:sp>
+        <p:nvSpPr>
+          <p:cNvPr id="21" name="직사각형 20">
+            <a:extLst>
+              <a:ext uri="{FF2B5EF4-FFF2-40B4-BE49-F238E27FC236}">
+                <a16:creationId xmlns:a16="http://schemas.microsoft.com/office/drawing/2014/main" id="{B603C1A0-45D6-4645-8887-979D99CEC6EF}"/>
+              </a:ext>
+            </a:extLst>
+          </p:cNvPr>
+          <p:cNvSpPr/>
+          <p:nvPr/>
+        </p:nvSpPr>
+        <p:spPr>
+          <a:xfrm>
+            <a:off x="8736387" y="367784"/>
+            <a:ext cx="2355267" cy="578904"/>
+          </a:xfrm>
+          <a:prstGeom prst="rect">
+            <a:avLst/>
+          </a:prstGeom>
+        </p:spPr>
+        <p:style>
+          <a:lnRef idx="2">
+            <a:schemeClr val="accent1">
+              <a:shade val="50000"/>
+            </a:schemeClr>
+          </a:lnRef>
+          <a:fillRef idx="1">
+            <a:schemeClr val="accent1"/>
+          </a:fillRef>
+          <a:effectRef idx="0">
+            <a:schemeClr val="accent1"/>
+          </a:effectRef>
+          <a:fontRef idx="minor">
+            <a:schemeClr val="lt1"/>
+          </a:fontRef>
+        </p:style>
+        <p:txBody>
+          <a:bodyPr rtlCol="0" anchor="ctr"/>
+          <a:lstStyle/>
+          <a:p>
+            <a:pPr algn="ctr"/>
+            <a:r>
+              <a:rPr lang="ko-KR" altLang="en-US" dirty="0"/>
+              <a:t>검색</a:t>
+            </a:r>
+          </a:p>
+        </p:txBody>
+      </p:sp>
+    </p:spTree>
+    <p:extLst>
+      <p:ext uri="{BB962C8B-B14F-4D97-AF65-F5344CB8AC3E}">
+        <p14:creationId xmlns:p14="http://schemas.microsoft.com/office/powerpoint/2010/main" val="1968695812"/>
       </p:ext>
     </p:extLst>
   </p:cSld>
